--- a/SoftHier_Meeting_Slides/SoftHier_Biweekly_Meeting_6May2024.pptx
+++ b/SoftHier_Meeting_Slides/SoftHier_Biweekly_Meeting_6May2024.pptx
@@ -11,7 +11,7 @@
   <p:sldIdLst>
     <p:sldId id="356" r:id="rId3"/>
     <p:sldId id="367" r:id="rId4"/>
-    <p:sldId id="366" r:id="rId5"/>
+    <p:sldId id="369" r:id="rId5"/>
     <p:sldId id="368" r:id="rId6"/>
     <p:sldId id="260" r:id="rId7"/>
     <p:sldId id="261" r:id="rId8"/>
@@ -122,7 +122,7 @@
           <p14:sldIdLst>
             <p14:sldId id="356"/>
             <p14:sldId id="367"/>
-            <p14:sldId id="366"/>
+            <p14:sldId id="369"/>
             <p14:sldId id="368"/>
             <p14:sldId id="260"/>
             <p14:sldId id="261"/>
@@ -5692,8 +5692,8 @@
         </p:nvSpPr>
         <p:spPr>
           <a:xfrm>
-            <a:off x="1143225" y="685800"/>
-            <a:ext cx="4572300" cy="3429000"/>
+            <a:off x="381000" y="685800"/>
+            <a:ext cx="6096000" cy="3429000"/>
           </a:xfrm>
           <a:custGeom>
             <a:avLst/>
@@ -18525,16 +18525,10 @@
           <p:cNvGraphicFramePr>
             <a:graphicFrameLocks/>
           </p:cNvGraphicFramePr>
-          <p:nvPr>
-            <p:extLst>
-              <p:ext uri="{D42A27DB-BD31-4B8C-83A1-F6EECF244321}">
-                <p14:modId xmlns:p14="http://schemas.microsoft.com/office/powerpoint/2010/main" val="2075682663"/>
-              </p:ext>
-            </p:extLst>
-          </p:nvPr>
+          <p:nvPr/>
         </p:nvGraphicFramePr>
         <p:xfrm>
-          <a:off x="3033866" y="3429000"/>
+          <a:off x="3480906" y="3429000"/>
           <a:ext cx="4421587" cy="1646683"/>
         </p:xfrm>
         <a:graphic>
@@ -18555,16 +18549,10 @@
           <p:cNvGraphicFramePr>
             <a:graphicFrameLocks/>
           </p:cNvGraphicFramePr>
-          <p:nvPr>
-            <p:extLst>
-              <p:ext uri="{D42A27DB-BD31-4B8C-83A1-F6EECF244321}">
-                <p14:modId xmlns:p14="http://schemas.microsoft.com/office/powerpoint/2010/main" val="3592140256"/>
-              </p:ext>
-            </p:extLst>
-          </p:nvPr>
+          <p:nvPr/>
         </p:nvGraphicFramePr>
         <p:xfrm>
-          <a:off x="7455453" y="3429000"/>
+          <a:off x="7902493" y="3429000"/>
           <a:ext cx="4409440" cy="1646683"/>
         </p:xfrm>
         <a:graphic>
@@ -18585,16 +18573,10 @@
           <p:cNvGraphicFramePr>
             <a:graphicFrameLocks/>
           </p:cNvGraphicFramePr>
-          <p:nvPr>
-            <p:extLst>
-              <p:ext uri="{D42A27DB-BD31-4B8C-83A1-F6EECF244321}">
-                <p14:modId xmlns:p14="http://schemas.microsoft.com/office/powerpoint/2010/main" val="3119464304"/>
-              </p:ext>
-            </p:extLst>
-          </p:nvPr>
+          <p:nvPr/>
         </p:nvGraphicFramePr>
         <p:xfrm>
-          <a:off x="3058160" y="5075682"/>
+          <a:off x="3505200" y="5075682"/>
           <a:ext cx="4397293" cy="1646683"/>
         </p:xfrm>
         <a:graphic>
@@ -18615,16 +18597,10 @@
           <p:cNvGraphicFramePr>
             <a:graphicFrameLocks/>
           </p:cNvGraphicFramePr>
-          <p:nvPr>
-            <p:extLst>
-              <p:ext uri="{D42A27DB-BD31-4B8C-83A1-F6EECF244321}">
-                <p14:modId xmlns:p14="http://schemas.microsoft.com/office/powerpoint/2010/main" val="564550911"/>
-              </p:ext>
-            </p:extLst>
-          </p:nvPr>
+          <p:nvPr/>
         </p:nvGraphicFramePr>
         <p:xfrm>
-          <a:off x="7479748" y="5075682"/>
+          <a:off x="7926788" y="5075682"/>
           <a:ext cx="4385146" cy="1646683"/>
         </p:xfrm>
         <a:graphic>
@@ -18645,13 +18621,7 @@
           <p:cNvGraphicFramePr>
             <a:graphicFrameLocks/>
           </p:cNvGraphicFramePr>
-          <p:nvPr>
-            <p:extLst>
-              <p:ext uri="{D42A27DB-BD31-4B8C-83A1-F6EECF244321}">
-                <p14:modId xmlns:p14="http://schemas.microsoft.com/office/powerpoint/2010/main" val="1779361374"/>
-              </p:ext>
-            </p:extLst>
-          </p:nvPr>
+          <p:nvPr/>
         </p:nvGraphicFramePr>
         <p:xfrm>
           <a:off x="5143930" y="409804"/>
@@ -18933,7 +18903,25 @@
             </a:pPr>
             <a:r>
               <a:rPr lang="en-US" altLang="zh-CN" sz="2423" dirty="0"/>
-              <a:t>Memory-Bound When:</a:t>
+              <a:t>BW-Bound When:</a:t>
+            </a:r>
+          </a:p>
+          <a:p>
+            <a:pPr lvl="2">
+              <a:defRPr/>
+            </a:pPr>
+            <a:r>
+              <a:rPr lang="en-US" altLang="zh-CN" sz="1788" dirty="0"/>
+              <a:t>RedMule 96x32</a:t>
+            </a:r>
+          </a:p>
+          <a:p>
+            <a:pPr lvl="2">
+              <a:defRPr/>
+            </a:pPr>
+            <a:r>
+              <a:rPr lang="en-US" altLang="zh-CN" sz="1788" dirty="0"/>
+              <a:t>FP16 GEMM </a:t>
             </a:r>
           </a:p>
           <a:p>
@@ -18942,16 +18930,25 @@
             </a:pPr>
             <a:r>
               <a:rPr lang="en-US" altLang="zh-CN" sz="2000" dirty="0"/>
-              <a:t>RedMule 96x32</a:t>
+              <a:t>But in Roofline Model</a:t>
             </a:r>
           </a:p>
           <a:p>
-            <a:pPr lvl="1">
+            <a:pPr lvl="2">
               <a:defRPr/>
             </a:pPr>
             <a:r>
-              <a:rPr lang="en-US" altLang="zh-CN" sz="2000" dirty="0"/>
-              <a:t>FP16 GEMM </a:t>
+              <a:rPr lang="en-US" altLang="zh-CN" sz="1788" dirty="0"/>
+              <a:t>MLP AI = 637 OP/B</a:t>
+            </a:r>
+          </a:p>
+          <a:p>
+            <a:pPr lvl="2">
+              <a:defRPr/>
+            </a:pPr>
+            <a:r>
+              <a:rPr lang="en-US" altLang="zh-CN" sz="1788" dirty="0"/>
+              <a:t>&gt; Roofline Limit 359 OP/B</a:t>
             </a:r>
           </a:p>
           <a:p>
@@ -18972,26 +18969,12 @@
               <a:t>Inter-Cluster Data Reuses</a:t>
             </a:r>
           </a:p>
-          <a:p>
-            <a:pPr lvl="1">
-              <a:defRPr/>
-            </a:pPr>
-            <a:r>
-              <a:rPr lang="en-US" altLang="zh-CN" sz="2000" dirty="0"/>
-              <a:t>Horizontal </a:t>
-            </a:r>
-            <a:r>
-              <a:rPr lang="en-US" altLang="zh-CN" sz="2000" dirty="0" err="1"/>
-              <a:t>DataMove</a:t>
-            </a:r>
-            <a:endParaRPr lang="fr-FR" altLang="zh-CN" sz="2000" dirty="0"/>
-          </a:p>
         </p:txBody>
       </p:sp>
     </p:spTree>
     <p:extLst>
       <p:ext uri="{BB962C8B-B14F-4D97-AF65-F5344CB8AC3E}">
-        <p14:creationId xmlns:p14="http://schemas.microsoft.com/office/powerpoint/2010/main" val="2448190279"/>
+        <p14:creationId xmlns:p14="http://schemas.microsoft.com/office/powerpoint/2010/main" val="356518248"/>
       </p:ext>
     </p:extLst>
   </p:cSld>
